--- a/final project.pdf.pptx
+++ b/final project.pdf.pptx
@@ -120,7 +120,7 @@
   </p:defaultTextStyle>
   <p:extLst>
     <p:ext uri="{EFAFB233-063F-42B5-8137-9DF3F51BA10A}">
-      <p15:sldGuideLst xmlns="" xmlns:p15="http://schemas.microsoft.com/office/powerpoint/2012/main">
+      <p15:sldGuideLst xmlns:p15="http://schemas.microsoft.com/office/powerpoint/2012/main" xmlns="">
         <p15:guide id="1" orient="horz" pos="2880">
           <p15:clr>
             <a:srgbClr val="A4A3A4"/>
@@ -397,7 +397,7 @@
     </p:spTree>
     <p:extLst>
       <p:ext uri="{BB962C8B-B14F-4D97-AF65-F5344CB8AC3E}">
-        <p14:creationId xmlns="" xmlns:p14="http://schemas.microsoft.com/office/powerpoint/2010/main" val="2918557904"/>
+        <p14:creationId xmlns:p14="http://schemas.microsoft.com/office/powerpoint/2010/main" xmlns="" val="2918557904"/>
       </p:ext>
     </p:extLst>
   </p:cSld>
@@ -572,7 +572,7 @@
     </p:spTree>
     <p:extLst>
       <p:ext uri="{BB962C8B-B14F-4D97-AF65-F5344CB8AC3E}">
-        <p14:creationId xmlns="" xmlns:p14="http://schemas.microsoft.com/office/powerpoint/2010/main" val="404353501"/>
+        <p14:creationId xmlns:p14="http://schemas.microsoft.com/office/powerpoint/2010/main" xmlns="" val="404353501"/>
       </p:ext>
     </p:extLst>
   </p:cSld>
@@ -616,7 +616,7 @@
           <a:blip r:embed="rId2">
             <a:extLst>
               <a:ext uri="{28A0092B-C50C-407E-A947-70E740481C1C}">
-                <a14:useLocalDpi xmlns="" xmlns:a14="http://schemas.microsoft.com/office/drawing/2010/main" val="0"/>
+                <a14:useLocalDpi xmlns:a14="http://schemas.microsoft.com/office/drawing/2010/main" xmlns="" val="0"/>
               </a:ext>
             </a:extLst>
           </a:blip>
@@ -889,7 +889,7 @@
     </p:spTree>
     <p:extLst>
       <p:ext uri="{BB962C8B-B14F-4D97-AF65-F5344CB8AC3E}">
-        <p14:creationId xmlns="" xmlns:p14="http://schemas.microsoft.com/office/powerpoint/2010/main" val="460259832"/>
+        <p14:creationId xmlns:p14="http://schemas.microsoft.com/office/powerpoint/2010/main" xmlns="" val="460259832"/>
       </p:ext>
     </p:extLst>
   </p:cSld>
@@ -928,7 +928,7 @@
           <a:blip r:embed="rId2">
             <a:extLst>
               <a:ext uri="{28A0092B-C50C-407E-A947-70E740481C1C}">
-                <a14:useLocalDpi xmlns="" xmlns:a14="http://schemas.microsoft.com/office/drawing/2010/main" val="0"/>
+                <a14:useLocalDpi xmlns:a14="http://schemas.microsoft.com/office/drawing/2010/main" xmlns="" val="0"/>
               </a:ext>
             </a:extLst>
           </a:blip>
@@ -1230,7 +1230,7 @@
     </p:spTree>
     <p:extLst>
       <p:ext uri="{BB962C8B-B14F-4D97-AF65-F5344CB8AC3E}">
-        <p14:creationId xmlns="" xmlns:p14="http://schemas.microsoft.com/office/powerpoint/2010/main" val="1917472523"/>
+        <p14:creationId xmlns:p14="http://schemas.microsoft.com/office/powerpoint/2010/main" xmlns="" val="1917472523"/>
       </p:ext>
     </p:extLst>
   </p:cSld>
@@ -1269,7 +1269,7 @@
           <a:blip r:embed="rId2">
             <a:extLst>
               <a:ext uri="{28A0092B-C50C-407E-A947-70E740481C1C}">
-                <a14:useLocalDpi xmlns="" xmlns:a14="http://schemas.microsoft.com/office/drawing/2010/main" val="0"/>
+                <a14:useLocalDpi xmlns:a14="http://schemas.microsoft.com/office/drawing/2010/main" xmlns="" val="0"/>
               </a:ext>
             </a:extLst>
           </a:blip>
@@ -1525,7 +1525,7 @@
     </p:spTree>
     <p:extLst>
       <p:ext uri="{BB962C8B-B14F-4D97-AF65-F5344CB8AC3E}">
-        <p14:creationId xmlns="" xmlns:p14="http://schemas.microsoft.com/office/powerpoint/2010/main" val="459141842"/>
+        <p14:creationId xmlns:p14="http://schemas.microsoft.com/office/powerpoint/2010/main" xmlns="" val="459141842"/>
       </p:ext>
     </p:extLst>
   </p:cSld>
@@ -1564,7 +1564,7 @@
           <a:blip r:embed="rId2">
             <a:extLst>
               <a:ext uri="{28A0092B-C50C-407E-A947-70E740481C1C}">
-                <a14:useLocalDpi xmlns="" xmlns:a14="http://schemas.microsoft.com/office/drawing/2010/main" val="0"/>
+                <a14:useLocalDpi xmlns:a14="http://schemas.microsoft.com/office/drawing/2010/main" xmlns="" val="0"/>
               </a:ext>
             </a:extLst>
           </a:blip>
@@ -2110,7 +2110,7 @@
     </p:spTree>
     <p:extLst>
       <p:ext uri="{BB962C8B-B14F-4D97-AF65-F5344CB8AC3E}">
-        <p14:creationId xmlns="" xmlns:p14="http://schemas.microsoft.com/office/powerpoint/2010/main" val="3987673619"/>
+        <p14:creationId xmlns:p14="http://schemas.microsoft.com/office/powerpoint/2010/main" xmlns="" val="3987673619"/>
       </p:ext>
     </p:extLst>
   </p:cSld>
@@ -2149,7 +2149,7 @@
           <a:blip r:embed="rId2">
             <a:extLst>
               <a:ext uri="{28A0092B-C50C-407E-A947-70E740481C1C}">
-                <a14:useLocalDpi xmlns="" xmlns:a14="http://schemas.microsoft.com/office/drawing/2010/main" val="0"/>
+                <a14:useLocalDpi xmlns:a14="http://schemas.microsoft.com/office/drawing/2010/main" xmlns="" val="0"/>
               </a:ext>
             </a:extLst>
           </a:blip>
@@ -2405,7 +2405,7 @@
     </p:spTree>
     <p:extLst>
       <p:ext uri="{BB962C8B-B14F-4D97-AF65-F5344CB8AC3E}">
-        <p14:creationId xmlns="" xmlns:p14="http://schemas.microsoft.com/office/powerpoint/2010/main" val="509395175"/>
+        <p14:creationId xmlns:p14="http://schemas.microsoft.com/office/powerpoint/2010/main" xmlns="" val="509395175"/>
       </p:ext>
     </p:extLst>
   </p:cSld>
@@ -2444,7 +2444,7 @@
           <a:blip r:embed="rId2">
             <a:extLst>
               <a:ext uri="{28A0092B-C50C-407E-A947-70E740481C1C}">
-                <a14:useLocalDpi xmlns="" xmlns:a14="http://schemas.microsoft.com/office/drawing/2010/main" val="0"/>
+                <a14:useLocalDpi xmlns:a14="http://schemas.microsoft.com/office/drawing/2010/main" xmlns="" val="0"/>
               </a:ext>
             </a:extLst>
           </a:blip>
@@ -2984,7 +2984,7 @@
     </p:spTree>
     <p:extLst>
       <p:ext uri="{BB962C8B-B14F-4D97-AF65-F5344CB8AC3E}">
-        <p14:creationId xmlns="" xmlns:p14="http://schemas.microsoft.com/office/powerpoint/2010/main" val="663299327"/>
+        <p14:creationId xmlns:p14="http://schemas.microsoft.com/office/powerpoint/2010/main" xmlns="" val="663299327"/>
       </p:ext>
     </p:extLst>
   </p:cSld>
@@ -3023,7 +3023,7 @@
           <a:blip r:embed="rId2">
             <a:extLst>
               <a:ext uri="{28A0092B-C50C-407E-A947-70E740481C1C}">
-                <a14:useLocalDpi xmlns="" xmlns:a14="http://schemas.microsoft.com/office/drawing/2010/main" val="0"/>
+                <a14:useLocalDpi xmlns:a14="http://schemas.microsoft.com/office/drawing/2010/main" xmlns="" val="0"/>
               </a:ext>
             </a:extLst>
           </a:blip>
@@ -3328,7 +3328,7 @@
     </p:spTree>
     <p:extLst>
       <p:ext uri="{BB962C8B-B14F-4D97-AF65-F5344CB8AC3E}">
-        <p14:creationId xmlns="" xmlns:p14="http://schemas.microsoft.com/office/powerpoint/2010/main" val="4152117317"/>
+        <p14:creationId xmlns:p14="http://schemas.microsoft.com/office/powerpoint/2010/main" xmlns="" val="4152117317"/>
       </p:ext>
     </p:extLst>
   </p:cSld>
@@ -3367,7 +3367,7 @@
           <a:blip r:embed="rId2">
             <a:extLst>
               <a:ext uri="{28A0092B-C50C-407E-A947-70E740481C1C}">
-                <a14:useLocalDpi xmlns="" xmlns:a14="http://schemas.microsoft.com/office/drawing/2010/main" val="0"/>
+                <a14:useLocalDpi xmlns:a14="http://schemas.microsoft.com/office/drawing/2010/main" xmlns="" val="0"/>
               </a:ext>
             </a:extLst>
           </a:blip>
@@ -3550,7 +3550,7 @@
     </p:spTree>
     <p:extLst>
       <p:ext uri="{BB962C8B-B14F-4D97-AF65-F5344CB8AC3E}">
-        <p14:creationId xmlns="" xmlns:p14="http://schemas.microsoft.com/office/powerpoint/2010/main" val="1094723392"/>
+        <p14:creationId xmlns:p14="http://schemas.microsoft.com/office/powerpoint/2010/main" xmlns="" val="1094723392"/>
       </p:ext>
     </p:extLst>
   </p:cSld>
@@ -3589,7 +3589,7 @@
           <a:blip r:embed="rId2">
             <a:extLst>
               <a:ext uri="{28A0092B-C50C-407E-A947-70E740481C1C}">
-                <a14:useLocalDpi xmlns="" xmlns:a14="http://schemas.microsoft.com/office/drawing/2010/main" val="0"/>
+                <a14:useLocalDpi xmlns:a14="http://schemas.microsoft.com/office/drawing/2010/main" xmlns="" val="0"/>
               </a:ext>
             </a:extLst>
           </a:blip>
@@ -3777,7 +3777,7 @@
     </p:spTree>
     <p:extLst>
       <p:ext uri="{BB962C8B-B14F-4D97-AF65-F5344CB8AC3E}">
-        <p14:creationId xmlns="" xmlns:p14="http://schemas.microsoft.com/office/powerpoint/2010/main" val="3012820286"/>
+        <p14:creationId xmlns:p14="http://schemas.microsoft.com/office/powerpoint/2010/main" xmlns="" val="3012820286"/>
       </p:ext>
     </p:extLst>
   </p:cSld>
@@ -3816,7 +3816,7 @@
           <a:blip r:embed="rId2">
             <a:extLst>
               <a:ext uri="{28A0092B-C50C-407E-A947-70E740481C1C}">
-                <a14:useLocalDpi xmlns="" xmlns:a14="http://schemas.microsoft.com/office/drawing/2010/main" val="0"/>
+                <a14:useLocalDpi xmlns:a14="http://schemas.microsoft.com/office/drawing/2010/main" xmlns="" val="0"/>
               </a:ext>
             </a:extLst>
           </a:blip>
@@ -3994,7 +3994,7 @@
     </p:spTree>
     <p:extLst>
       <p:ext uri="{BB962C8B-B14F-4D97-AF65-F5344CB8AC3E}">
-        <p14:creationId xmlns="" xmlns:p14="http://schemas.microsoft.com/office/powerpoint/2010/main" val="3612856192"/>
+        <p14:creationId xmlns:p14="http://schemas.microsoft.com/office/powerpoint/2010/main" xmlns="" val="3612856192"/>
       </p:ext>
     </p:extLst>
   </p:cSld>
@@ -4033,7 +4033,7 @@
           <a:blip r:embed="rId2">
             <a:extLst>
               <a:ext uri="{28A0092B-C50C-407E-A947-70E740481C1C}">
-                <a14:useLocalDpi xmlns="" xmlns:a14="http://schemas.microsoft.com/office/drawing/2010/main" val="0"/>
+                <a14:useLocalDpi xmlns:a14="http://schemas.microsoft.com/office/drawing/2010/main" xmlns="" val="0"/>
               </a:ext>
             </a:extLst>
           </a:blip>
@@ -4287,7 +4287,7 @@
     </p:spTree>
     <p:extLst>
       <p:ext uri="{BB962C8B-B14F-4D97-AF65-F5344CB8AC3E}">
-        <p14:creationId xmlns="" xmlns:p14="http://schemas.microsoft.com/office/powerpoint/2010/main" val="2599530138"/>
+        <p14:creationId xmlns:p14="http://schemas.microsoft.com/office/powerpoint/2010/main" xmlns="" val="2599530138"/>
       </p:ext>
     </p:extLst>
   </p:cSld>
@@ -4326,7 +4326,7 @@
           <a:blip r:embed="rId2">
             <a:extLst>
               <a:ext uri="{28A0092B-C50C-407E-A947-70E740481C1C}">
-                <a14:useLocalDpi xmlns="" xmlns:a14="http://schemas.microsoft.com/office/drawing/2010/main" val="0"/>
+                <a14:useLocalDpi xmlns:a14="http://schemas.microsoft.com/office/drawing/2010/main" xmlns="" val="0"/>
               </a:ext>
             </a:extLst>
           </a:blip>
@@ -4570,7 +4570,7 @@
     </p:spTree>
     <p:extLst>
       <p:ext uri="{BB962C8B-B14F-4D97-AF65-F5344CB8AC3E}">
-        <p14:creationId xmlns="" xmlns:p14="http://schemas.microsoft.com/office/powerpoint/2010/main" val="2283107675"/>
+        <p14:creationId xmlns:p14="http://schemas.microsoft.com/office/powerpoint/2010/main" xmlns="" val="2283107675"/>
       </p:ext>
     </p:extLst>
   </p:cSld>
@@ -4961,7 +4961,7 @@
     </p:spTree>
     <p:extLst>
       <p:ext uri="{BB962C8B-B14F-4D97-AF65-F5344CB8AC3E}">
-        <p14:creationId xmlns="" xmlns:p14="http://schemas.microsoft.com/office/powerpoint/2010/main" val="428485144"/>
+        <p14:creationId xmlns:p14="http://schemas.microsoft.com/office/powerpoint/2010/main" xmlns="" val="428485144"/>
       </p:ext>
     </p:extLst>
   </p:cSld>
@@ -5000,7 +5000,7 @@
           <a:blip r:embed="rId2">
             <a:extLst>
               <a:ext uri="{28A0092B-C50C-407E-A947-70E740481C1C}">
-                <a14:useLocalDpi xmlns="" xmlns:a14="http://schemas.microsoft.com/office/drawing/2010/main" val="0"/>
+                <a14:useLocalDpi xmlns:a14="http://schemas.microsoft.com/office/drawing/2010/main" xmlns="" val="0"/>
               </a:ext>
             </a:extLst>
           </a:blip>
@@ -5126,7 +5126,7 @@
     </p:spTree>
     <p:extLst>
       <p:ext uri="{BB962C8B-B14F-4D97-AF65-F5344CB8AC3E}">
-        <p14:creationId xmlns="" xmlns:p14="http://schemas.microsoft.com/office/powerpoint/2010/main" val="1512555944"/>
+        <p14:creationId xmlns:p14="http://schemas.microsoft.com/office/powerpoint/2010/main" xmlns="" val="1512555944"/>
       </p:ext>
     </p:extLst>
   </p:cSld>
@@ -5165,7 +5165,7 @@
           <a:blip r:embed="rId2">
             <a:extLst>
               <a:ext uri="{28A0092B-C50C-407E-A947-70E740481C1C}">
-                <a14:useLocalDpi xmlns="" xmlns:a14="http://schemas.microsoft.com/office/drawing/2010/main" val="0"/>
+                <a14:useLocalDpi xmlns:a14="http://schemas.microsoft.com/office/drawing/2010/main" xmlns="" val="0"/>
               </a:ext>
             </a:extLst>
           </a:blip>
@@ -5268,7 +5268,7 @@
     </p:spTree>
     <p:extLst>
       <p:ext uri="{BB962C8B-B14F-4D97-AF65-F5344CB8AC3E}">
-        <p14:creationId xmlns="" xmlns:p14="http://schemas.microsoft.com/office/powerpoint/2010/main" val="522796963"/>
+        <p14:creationId xmlns:p14="http://schemas.microsoft.com/office/powerpoint/2010/main" xmlns="" val="522796963"/>
       </p:ext>
     </p:extLst>
   </p:cSld>
@@ -5307,7 +5307,7 @@
           <a:blip r:embed="rId2">
             <a:extLst>
               <a:ext uri="{28A0092B-C50C-407E-A947-70E740481C1C}">
-                <a14:useLocalDpi xmlns="" xmlns:a14="http://schemas.microsoft.com/office/drawing/2010/main" val="0"/>
+                <a14:useLocalDpi xmlns:a14="http://schemas.microsoft.com/office/drawing/2010/main" xmlns="" val="0"/>
               </a:ext>
             </a:extLst>
           </a:blip>
@@ -5570,7 +5570,7 @@
     </p:spTree>
     <p:extLst>
       <p:ext uri="{BB962C8B-B14F-4D97-AF65-F5344CB8AC3E}">
-        <p14:creationId xmlns="" xmlns:p14="http://schemas.microsoft.com/office/powerpoint/2010/main" val="1224726844"/>
+        <p14:creationId xmlns:p14="http://schemas.microsoft.com/office/powerpoint/2010/main" xmlns="" val="1224726844"/>
       </p:ext>
     </p:extLst>
   </p:cSld>
@@ -5609,7 +5609,7 @@
           <a:blip r:embed="rId2">
             <a:extLst>
               <a:ext uri="{28A0092B-C50C-407E-A947-70E740481C1C}">
-                <a14:useLocalDpi xmlns="" xmlns:a14="http://schemas.microsoft.com/office/drawing/2010/main" val="0"/>
+                <a14:useLocalDpi xmlns:a14="http://schemas.microsoft.com/office/drawing/2010/main" xmlns="" val="0"/>
               </a:ext>
             </a:extLst>
           </a:blip>
@@ -5911,7 +5911,7 @@
     </p:spTree>
     <p:extLst>
       <p:ext uri="{BB962C8B-B14F-4D97-AF65-F5344CB8AC3E}">
-        <p14:creationId xmlns="" xmlns:p14="http://schemas.microsoft.com/office/powerpoint/2010/main" val="4009825052"/>
+        <p14:creationId xmlns:p14="http://schemas.microsoft.com/office/powerpoint/2010/main" xmlns="" val="4009825052"/>
       </p:ext>
     </p:extLst>
   </p:cSld>
@@ -6178,7 +6178,7 @@
     </p:spTree>
     <p:extLst>
       <p:ext uri="{BB962C8B-B14F-4D97-AF65-F5344CB8AC3E}">
-        <p14:creationId xmlns="" xmlns:p14="http://schemas.microsoft.com/office/powerpoint/2010/main" val="18157870"/>
+        <p14:creationId xmlns:p14="http://schemas.microsoft.com/office/powerpoint/2010/main" xmlns="" val="18157870"/>
       </p:ext>
     </p:extLst>
   </p:cSld>
@@ -6945,7 +6945,7 @@
           <p:cNvPr id="14" name="TextBox 13">
             <a:extLst>
               <a:ext uri="{FF2B5EF4-FFF2-40B4-BE49-F238E27FC236}">
-                <a16:creationId xmlns="" xmlns:a16="http://schemas.microsoft.com/office/drawing/2014/main" id="{D55ADE35-C35B-07C1-F5AA-C33B3DDB802E}"/>
+                <a16:creationId xmlns:a16="http://schemas.microsoft.com/office/drawing/2014/main" xmlns="" id="{D55ADE35-C35B-07C1-F5AA-C33B3DDB802E}"/>
               </a:ext>
             </a:extLst>
           </p:cNvPr>
@@ -6974,18 +6974,18 @@
             </a:r>
             <a:r>
               <a:rPr lang="en-US" sz="2400" b="1" dirty="0" smtClean="0"/>
-              <a:t>BABU S </a:t>
+              <a:t>VIGNESH S</a:t>
             </a:r>
             <a:endParaRPr lang="en-US" sz="2400" b="1" dirty="0"/>
           </a:p>
           <a:p>
             <a:r>
               <a:rPr lang="en-US" sz="2400" b="1" dirty="0"/>
-              <a:t>REGISTER NO AND </a:t>
+              <a:t>REGISTER NO AND NMID</a:t>
             </a:r>
             <a:r>
               <a:rPr lang="en-US" sz="2400" b="1" dirty="0" smtClean="0"/>
-              <a:t>NMID:222403015/AAAD51E1E2D928DABCC4FBBAD9831DF8</a:t>
+              <a:t>: 222403040 / C1B13E2BC9CFE6AB3D049561B75397F8 </a:t>
             </a:r>
             <a:endParaRPr lang="en-US" sz="2400" b="1" dirty="0">
               <a:cs typeface="Calibri"/>
@@ -7009,7 +7009,7 @@
             </a:r>
             <a:r>
               <a:rPr lang="en-US" sz="2400" b="1" dirty="0" smtClean="0"/>
-              <a:t>SRIRAM COLLEGE OF ARTS AND SCIENCE/ MADRAS OF UNIVERSITY</a:t>
+              <a:t>SRIRAM COLLEGE OF ARTS AND SCIENCE / MADRAS OF UNIVERSITY</a:t>
             </a:r>
             <a:endParaRPr lang="en-US" sz="2400" b="1" dirty="0"/>
           </a:p>
@@ -7097,7 +7097,7 @@
           <p:cNvPr id="9" name="TextBox 8">
             <a:extLst>
               <a:ext uri="{FF2B5EF4-FFF2-40B4-BE49-F238E27FC236}">
-                <a16:creationId xmlns="" xmlns:a16="http://schemas.microsoft.com/office/drawing/2014/main" id="{FAD9CEB2-36E1-0550-426B-2FAF97882044}"/>
+                <a16:creationId xmlns:a16="http://schemas.microsoft.com/office/drawing/2014/main" xmlns="" id="{FAD9CEB2-36E1-0550-426B-2FAF97882044}"/>
               </a:ext>
             </a:extLst>
           </p:cNvPr>
@@ -7195,7 +7195,7 @@
       </p:sp>
       <p:pic>
         <p:nvPicPr>
-          <p:cNvPr id="5" name="Picture 4" descr="Screenshot_13-9-2025_102346_.jpeg"/>
+          <p:cNvPr id="5" name="Picture 4" descr="photo.jpg.jpeg"/>
           <p:cNvPicPr>
             <a:picLocks noChangeAspect="1"/>
           </p:cNvPicPr>
@@ -7209,8 +7209,8 @@
         </p:blipFill>
         <p:spPr>
           <a:xfrm>
-            <a:off x="3095603" y="3071810"/>
-            <a:ext cx="6072231" cy="3214710"/>
+            <a:off x="3809983" y="2857496"/>
+            <a:ext cx="5500727" cy="3643338"/>
           </a:xfrm>
           <a:prstGeom prst="rect">
             <a:avLst/>
@@ -7438,14 +7438,14 @@
           <a:effectLst/>
           <a:extLst>
             <a:ext uri="{909E8E84-426E-40DD-AFC4-6F175D3DCCD1}">
-              <a14:hiddenFill xmlns="" xmlns:a14="http://schemas.microsoft.com/office/drawing/2010/main">
+              <a14:hiddenFill xmlns:a14="http://schemas.microsoft.com/office/drawing/2010/main" xmlns="">
                 <a:solidFill>
                   <a:schemeClr val="accent1"/>
                 </a:solidFill>
               </a14:hiddenFill>
             </a:ext>
             <a:ext uri="{91240B29-F687-4F45-9708-019B960494DF}">
-              <a14:hiddenLine xmlns="" xmlns:a14="http://schemas.microsoft.com/office/drawing/2010/main" w="9525">
+              <a14:hiddenLine xmlns:a14="http://schemas.microsoft.com/office/drawing/2010/main" xmlns="" w="9525">
                 <a:solidFill>
                   <a:schemeClr val="tx1"/>
                 </a:solidFill>
@@ -7455,7 +7455,7 @@
               </a14:hiddenLine>
             </a:ext>
             <a:ext uri="{AF507438-7753-43E0-B8FC-AC1667EBCBE1}">
-              <a14:hiddenEffects xmlns="" xmlns:a14="http://schemas.microsoft.com/office/drawing/2010/main">
+              <a14:hiddenEffects xmlns:a14="http://schemas.microsoft.com/office/drawing/2010/main" xmlns="">
                 <a:effectLst>
                   <a:outerShdw dist="35921" dir="2700000" algn="ctr" rotWithShape="0">
                     <a:schemeClr val="bg2"/>
@@ -7599,39 +7599,10 @@
           </a:p>
         </p:txBody>
       </p:sp>
-      <p:sp>
-        <p:nvSpPr>
-          <p:cNvPr id="5" name="Rectangle 4"/>
-          <p:cNvSpPr/>
-          <p:nvPr/>
-        </p:nvSpPr>
-        <p:spPr>
-          <a:xfrm>
-            <a:off x="3638789" y="3982998"/>
-            <a:ext cx="4914422" cy="369332"/>
-          </a:xfrm>
-          <a:prstGeom prst="rect">
-            <a:avLst/>
-          </a:prstGeom>
-        </p:spPr>
-        <p:txBody>
-          <a:bodyPr wrap="square">
-            <a:spAutoFit/>
-          </a:bodyPr>
-          <a:lstStyle/>
-          <a:p>
-            <a:r>
-              <a:rPr lang="en-US" dirty="0" smtClean="0"/>
-              <a:t>https://babu20060.github.io/DIGITAL-PORTFOLIO/</a:t>
-            </a:r>
-            <a:endParaRPr lang="en-US" dirty="0"/>
-          </a:p>
-        </p:txBody>
-      </p:sp>
     </p:spTree>
     <p:extLst>
       <p:ext uri="{BB962C8B-B14F-4D97-AF65-F5344CB8AC3E}">
-        <p14:creationId xmlns="" xmlns:p14="http://schemas.microsoft.com/office/powerpoint/2010/main" val="3383265071"/>
+        <p14:creationId xmlns:p14="http://schemas.microsoft.com/office/powerpoint/2010/main" xmlns="" val="3383265071"/>
       </p:ext>
     </p:extLst>
   </p:cSld>
@@ -7745,7 +7716,7 @@
     </p:spTree>
     <p:extLst>
       <p:ext uri="{BB962C8B-B14F-4D97-AF65-F5344CB8AC3E}">
-        <p14:creationId xmlns="" xmlns:p14="http://schemas.microsoft.com/office/powerpoint/2010/main" val="390766428"/>
+        <p14:creationId xmlns:p14="http://schemas.microsoft.com/office/powerpoint/2010/main" xmlns="" val="390766428"/>
       </p:ext>
     </p:extLst>
   </p:cSld>
@@ -7982,7 +7953,7 @@
     </p:spTree>
     <p:extLst>
       <p:ext uri="{BB962C8B-B14F-4D97-AF65-F5344CB8AC3E}">
-        <p14:creationId xmlns="" xmlns:p14="http://schemas.microsoft.com/office/powerpoint/2010/main" val="623850095"/>
+        <p14:creationId xmlns:p14="http://schemas.microsoft.com/office/powerpoint/2010/main" xmlns="" val="623850095"/>
       </p:ext>
     </p:extLst>
   </p:cSld>
@@ -8617,14 +8588,14 @@
           <a:effectLst/>
           <a:extLst>
             <a:ext uri="{909E8E84-426E-40DD-AFC4-6F175D3DCCD1}">
-              <a14:hiddenFill xmlns="" xmlns:a14="http://schemas.microsoft.com/office/drawing/2010/main">
+              <a14:hiddenFill xmlns:a14="http://schemas.microsoft.com/office/drawing/2010/main" xmlns="">
                 <a:solidFill>
                   <a:schemeClr val="accent1"/>
                 </a:solidFill>
               </a14:hiddenFill>
             </a:ext>
             <a:ext uri="{91240B29-F687-4F45-9708-019B960494DF}">
-              <a14:hiddenLine xmlns="" xmlns:a14="http://schemas.microsoft.com/office/drawing/2010/main" w="9525">
+              <a14:hiddenLine xmlns:a14="http://schemas.microsoft.com/office/drawing/2010/main" xmlns="" w="9525">
                 <a:solidFill>
                   <a:schemeClr val="tx1"/>
                 </a:solidFill>
@@ -8634,7 +8605,7 @@
               </a14:hiddenLine>
             </a:ext>
             <a:ext uri="{AF507438-7753-43E0-B8FC-AC1667EBCBE1}">
-              <a14:hiddenEffects xmlns="" xmlns:a14="http://schemas.microsoft.com/office/drawing/2010/main">
+              <a14:hiddenEffects xmlns:a14="http://schemas.microsoft.com/office/drawing/2010/main" xmlns="">
                 <a:effectLst>
                   <a:outerShdw dist="35921" dir="2700000" algn="ctr" rotWithShape="0">
                     <a:schemeClr val="bg2"/>
@@ -9142,14 +9113,14 @@
           <a:effectLst/>
           <a:extLst>
             <a:ext uri="{909E8E84-426E-40DD-AFC4-6F175D3DCCD1}">
-              <a14:hiddenFill xmlns="" xmlns:a14="http://schemas.microsoft.com/office/drawing/2010/main">
+              <a14:hiddenFill xmlns:a14="http://schemas.microsoft.com/office/drawing/2010/main" xmlns="">
                 <a:solidFill>
                   <a:schemeClr val="accent1"/>
                 </a:solidFill>
               </a14:hiddenFill>
             </a:ext>
             <a:ext uri="{91240B29-F687-4F45-9708-019B960494DF}">
-              <a14:hiddenLine xmlns="" xmlns:a14="http://schemas.microsoft.com/office/drawing/2010/main" w="9525">
+              <a14:hiddenLine xmlns:a14="http://schemas.microsoft.com/office/drawing/2010/main" xmlns="" w="9525">
                 <a:solidFill>
                   <a:schemeClr val="tx1"/>
                 </a:solidFill>
@@ -9159,7 +9130,7 @@
               </a14:hiddenLine>
             </a:ext>
             <a:ext uri="{AF507438-7753-43E0-B8FC-AC1667EBCBE1}">
-              <a14:hiddenEffects xmlns="" xmlns:a14="http://schemas.microsoft.com/office/drawing/2010/main">
+              <a14:hiddenEffects xmlns:a14="http://schemas.microsoft.com/office/drawing/2010/main" xmlns="">
                 <a:effectLst>
                   <a:outerShdw dist="35921" dir="2700000" algn="ctr" rotWithShape="0">
                     <a:schemeClr val="bg2"/>
@@ -9654,14 +9625,14 @@
           <a:effectLst/>
           <a:extLst>
             <a:ext uri="{909E8E84-426E-40DD-AFC4-6F175D3DCCD1}">
-              <a14:hiddenFill xmlns="" xmlns:a14="http://schemas.microsoft.com/office/drawing/2010/main">
+              <a14:hiddenFill xmlns:a14="http://schemas.microsoft.com/office/drawing/2010/main" xmlns="">
                 <a:solidFill>
                   <a:schemeClr val="accent1"/>
                 </a:solidFill>
               </a14:hiddenFill>
             </a:ext>
             <a:ext uri="{91240B29-F687-4F45-9708-019B960494DF}">
-              <a14:hiddenLine xmlns="" xmlns:a14="http://schemas.microsoft.com/office/drawing/2010/main" w="9525">
+              <a14:hiddenLine xmlns:a14="http://schemas.microsoft.com/office/drawing/2010/main" xmlns="" w="9525">
                 <a:solidFill>
                   <a:schemeClr val="tx1"/>
                 </a:solidFill>
@@ -9671,7 +9642,7 @@
               </a14:hiddenLine>
             </a:ext>
             <a:ext uri="{AF507438-7753-43E0-B8FC-AC1667EBCBE1}">
-              <a14:hiddenEffects xmlns="" xmlns:a14="http://schemas.microsoft.com/office/drawing/2010/main">
+              <a14:hiddenEffects xmlns:a14="http://schemas.microsoft.com/office/drawing/2010/main" xmlns="">
                 <a:effectLst>
                   <a:outerShdw dist="35921" dir="2700000" algn="ctr" rotWithShape="0">
                     <a:schemeClr val="bg2"/>
@@ -9871,7 +9842,7 @@
           <p:cNvPr id="2" name="Title 1">
             <a:extLst>
               <a:ext uri="{FF2B5EF4-FFF2-40B4-BE49-F238E27FC236}">
-                <a16:creationId xmlns="" xmlns:a16="http://schemas.microsoft.com/office/drawing/2014/main" id="{6E06195E-16D6-79D8-7A9F-F8EB1FE9E212}"/>
+                <a16:creationId xmlns:a16="http://schemas.microsoft.com/office/drawing/2014/main" xmlns="" id="{6E06195E-16D6-79D8-7A9F-F8EB1FE9E212}"/>
               </a:ext>
             </a:extLst>
           </p:cNvPr>
@@ -9924,14 +9895,14 @@
           <a:effectLst/>
           <a:extLst>
             <a:ext uri="{909E8E84-426E-40DD-AFC4-6F175D3DCCD1}">
-              <a14:hiddenFill xmlns="" xmlns:a14="http://schemas.microsoft.com/office/drawing/2010/main">
+              <a14:hiddenFill xmlns:a14="http://schemas.microsoft.com/office/drawing/2010/main" xmlns="">
                 <a:solidFill>
                   <a:schemeClr val="accent1"/>
                 </a:solidFill>
               </a14:hiddenFill>
             </a:ext>
             <a:ext uri="{91240B29-F687-4F45-9708-019B960494DF}">
-              <a14:hiddenLine xmlns="" xmlns:a14="http://schemas.microsoft.com/office/drawing/2010/main" w="9525">
+              <a14:hiddenLine xmlns:a14="http://schemas.microsoft.com/office/drawing/2010/main" xmlns="" w="9525">
                 <a:solidFill>
                   <a:schemeClr val="tx1"/>
                 </a:solidFill>
@@ -9941,7 +9912,7 @@
               </a14:hiddenLine>
             </a:ext>
             <a:ext uri="{AF507438-7753-43E0-B8FC-AC1667EBCBE1}">
-              <a14:hiddenEffects xmlns="" xmlns:a14="http://schemas.microsoft.com/office/drawing/2010/main">
+              <a14:hiddenEffects xmlns:a14="http://schemas.microsoft.com/office/drawing/2010/main" xmlns="">
                 <a:effectLst>
                   <a:outerShdw dist="35921" dir="2700000" algn="ctr" rotWithShape="0">
                     <a:schemeClr val="bg2"/>
@@ -10251,7 +10222,7 @@
     </p:spTree>
     <p:extLst>
       <p:ext uri="{BB962C8B-B14F-4D97-AF65-F5344CB8AC3E}">
-        <p14:creationId xmlns="" xmlns:p14="http://schemas.microsoft.com/office/powerpoint/2010/main" val="2720660618"/>
+        <p14:creationId xmlns:p14="http://schemas.microsoft.com/office/powerpoint/2010/main" xmlns="" val="2720660618"/>
       </p:ext>
     </p:extLst>
   </p:cSld>
@@ -10504,7 +10475,7 @@
   <a:extraClrSchemeLst/>
   <a:extLst>
     <a:ext uri="{05A4C25C-085E-4340-85A3-A5531E510DB2}">
-      <thm15:themeFamily xmlns="" xmlns:thm15="http://schemas.microsoft.com/office/thememl/2012/main" name="Celestial" id="{C4BB2A3D-0E93-4C5F-B0D2-9D3FCE089CC5}" vid="{42E5908D-19A2-46FD-89FA-638B126129EF}"/>
+      <thm15:themeFamily xmlns:thm15="http://schemas.microsoft.com/office/thememl/2012/main" xmlns="" name="Celestial" id="{C4BB2A3D-0E93-4C5F-B0D2-9D3FCE089CC5}" vid="{42E5908D-19A2-46FD-89FA-638B126129EF}"/>
     </a:ext>
   </a:extLst>
 </a:theme>
@@ -10799,7 +10770,7 @@
   <a:extraClrSchemeLst/>
   <a:extLst>
     <a:ext uri="{05A4C25C-085E-4340-85A3-A5531E510DB2}">
-      <thm15:themeFamily xmlns="" xmlns:thm15="http://schemas.microsoft.com/office/thememl/2012/main" name="Office Theme" id="{62F939B6-93AF-4DB8-9C6B-D6C7DFDC589F}" vid="{4A3C46E8-61CC-4603-A589-7422A47A8E4A}"/>
+      <thm15:themeFamily xmlns:thm15="http://schemas.microsoft.com/office/thememl/2012/main" xmlns="" name="Office Theme" id="{62F939B6-93AF-4DB8-9C6B-D6C7DFDC589F}" vid="{4A3C46E8-61CC-4603-A589-7422A47A8E4A}"/>
     </a:ext>
   </a:extLst>
 </a:theme>
